--- a/Nathan Vandevoort (Producer)/Team11_banfill_zhenhua/art Doc.pptx
+++ b/Nathan Vandevoort (Producer)/Team11_banfill_zhenhua/art Doc.pptx
@@ -6968,44 +6968,6 @@
           </a:p>
         </p:txBody>
       </p:sp>
-      <p:sp>
-        <p:nvSpPr>
-          <p:cNvPr id="85" name="Google Shape;85;p18"/>
-          <p:cNvSpPr txBox="1">
-            <a:spLocks noGrp="1"/>
-          </p:cNvSpPr>
-          <p:nvPr>
-            <p:ph type="body" idx="1"/>
-          </p:nvPr>
-        </p:nvSpPr>
-        <p:spPr>
-          <a:xfrm>
-            <a:off x="311700" y="1152475"/>
-            <a:ext cx="8520600" cy="3416400"/>
-          </a:xfrm>
-          <a:prstGeom prst="rect">
-            <a:avLst/>
-          </a:prstGeom>
-        </p:spPr>
-        <p:txBody>
-          <a:bodyPr spcFirstLastPara="1" wrap="square" lIns="91425" tIns="91425" rIns="91425" bIns="91425" anchor="t" anchorCtr="0">
-            <a:noAutofit/>
-          </a:bodyPr>
-          <a:lstStyle/>
-          <a:p>
-            <a:pPr marL="0" lvl="0" indent="0" algn="l" rtl="0">
-              <a:spcBef>
-                <a:spcPts val="0"/>
-              </a:spcBef>
-              <a:spcAft>
-                <a:spcPts val="1600"/>
-              </a:spcAft>
-              <a:buNone/>
-            </a:pPr>
-            <a:endParaRPr/>
-          </a:p>
-        </p:txBody>
-      </p:sp>
       <p:pic>
         <p:nvPicPr>
           <p:cNvPr id="2" name="Picture 1"/>
@@ -7088,7 +7050,7 @@
         </p:blipFill>
         <p:spPr>
           <a:xfrm>
-            <a:off x="311699" y="1316157"/>
+            <a:off x="108155" y="1316157"/>
             <a:ext cx="4812890" cy="3008056"/>
           </a:xfrm>
           <a:prstGeom prst="rect">
